--- a/Data_Analytics_2018/PPT/Lesson 06 - Data Analytics - Hadoop Components.pptx
+++ b/Data_Analytics_2018/PPT/Lesson 06 - Data Analytics - Hadoop Components.pptx
@@ -2,7 +2,7 @@
 <file path=ppt/presentation.xml><?xml version="1.0" encoding="utf-8"?>
 <p:presentation xmlns:a="http://schemas.openxmlformats.org/drawingml/2006/main" xmlns:r="http://schemas.openxmlformats.org/officeDocument/2006/relationships" xmlns:p="http://schemas.openxmlformats.org/presentationml/2006/main" saveSubsetFonts="1">
   <p:sldMasterIdLst>
-    <p:sldMasterId id="2147483678" r:id="rId1"/>
+    <p:sldMasterId id="2147483691" r:id="rId1"/>
   </p:sldMasterIdLst>
   <p:sldIdLst>
     <p:sldId id="256" r:id="rId2"/>
@@ -267,7 +267,7 @@
         </p:nvSpPr>
         <p:spPr>
           <a:xfrm>
-            <a:off x="152400" y="6443433"/>
+            <a:off x="152400" y="6485768"/>
             <a:ext cx="2743200" cy="365125"/>
           </a:xfrm>
         </p:spPr>
@@ -277,7 +277,7 @@
           <a:p>
             <a:fld id="{243B570E-6BE2-493C-8C86-B8378068DB77}" type="datetimeFigureOut">
               <a:rPr lang="en-US" smtClean="0"/>
-              <a:t>8/1/2018</a:t>
+              <a:t>8/11/2018</a:t>
             </a:fld>
             <a:endParaRPr lang="en-US" dirty="0"/>
           </a:p>
@@ -295,7 +295,7 @@
         </p:nvSpPr>
         <p:spPr>
           <a:xfrm>
-            <a:off x="4038600" y="6443434"/>
+            <a:off x="4038600" y="6485769"/>
             <a:ext cx="4114800" cy="365125"/>
           </a:xfrm>
         </p:spPr>
@@ -319,7 +319,7 @@
         </p:nvSpPr>
         <p:spPr>
           <a:xfrm>
-            <a:off x="9361714" y="6443432"/>
+            <a:off x="9361714" y="6485767"/>
             <a:ext cx="2743200" cy="365125"/>
           </a:xfrm>
         </p:spPr>
@@ -338,7 +338,7 @@
     </p:spTree>
     <p:extLst>
       <p:ext uri="{BB962C8B-B14F-4D97-AF65-F5344CB8AC3E}">
-        <p14:creationId xmlns:p14="http://schemas.microsoft.com/office/powerpoint/2010/main" val="460286557"/>
+        <p14:creationId xmlns:p14="http://schemas.microsoft.com/office/powerpoint/2010/main" val="3055254208"/>
       </p:ext>
     </p:extLst>
   </p:cSld>
@@ -543,7 +543,7 @@
           <a:p>
             <a:fld id="{243B570E-6BE2-493C-8C86-B8378068DB77}" type="datetimeFigureOut">
               <a:rPr lang="en-US" smtClean="0"/>
-              <a:t>8/1/2018</a:t>
+              <a:t>8/11/2018</a:t>
             </a:fld>
             <a:endParaRPr lang="en-US" dirty="0"/>
           </a:p>
@@ -594,7 +594,7 @@
     </p:spTree>
     <p:extLst>
       <p:ext uri="{BB962C8B-B14F-4D97-AF65-F5344CB8AC3E}">
-        <p14:creationId xmlns:p14="http://schemas.microsoft.com/office/powerpoint/2010/main" val="2251435842"/>
+        <p14:creationId xmlns:p14="http://schemas.microsoft.com/office/powerpoint/2010/main" val="4245811703"/>
       </p:ext>
     </p:extLst>
   </p:cSld>
@@ -716,7 +716,7 @@
           <a:p>
             <a:fld id="{243B570E-6BE2-493C-8C86-B8378068DB77}" type="datetimeFigureOut">
               <a:rPr lang="en-US" smtClean="0"/>
-              <a:t>8/1/2018</a:t>
+              <a:t>8/11/2018</a:t>
             </a:fld>
             <a:endParaRPr lang="en-US" dirty="0"/>
           </a:p>
@@ -767,7 +767,7 @@
     </p:spTree>
     <p:extLst>
       <p:ext uri="{BB962C8B-B14F-4D97-AF65-F5344CB8AC3E}">
-        <p14:creationId xmlns:p14="http://schemas.microsoft.com/office/powerpoint/2010/main" val="2592560706"/>
+        <p14:creationId xmlns:p14="http://schemas.microsoft.com/office/powerpoint/2010/main" val="2630436362"/>
       </p:ext>
     </p:extLst>
   </p:cSld>
@@ -894,7 +894,7 @@
           <a:p>
             <a:fld id="{243B570E-6BE2-493C-8C86-B8378068DB77}" type="datetimeFigureOut">
               <a:rPr lang="en-US" smtClean="0"/>
-              <a:t>8/1/2018</a:t>
+              <a:t>8/11/2018</a:t>
             </a:fld>
             <a:endParaRPr lang="en-US" dirty="0"/>
           </a:p>
@@ -945,7 +945,7 @@
     </p:spTree>
     <p:extLst>
       <p:ext uri="{BB962C8B-B14F-4D97-AF65-F5344CB8AC3E}">
-        <p14:creationId xmlns:p14="http://schemas.microsoft.com/office/powerpoint/2010/main" val="733512428"/>
+        <p14:creationId xmlns:p14="http://schemas.microsoft.com/office/powerpoint/2010/main" val="514188925"/>
       </p:ext>
     </p:extLst>
   </p:cSld>
@@ -1115,7 +1115,7 @@
           <a:p>
             <a:fld id="{243B570E-6BE2-493C-8C86-B8378068DB77}" type="datetimeFigureOut">
               <a:rPr lang="en-US" smtClean="0"/>
-              <a:t>8/1/2018</a:t>
+              <a:t>8/11/2018</a:t>
             </a:fld>
             <a:endParaRPr lang="en-US" dirty="0"/>
           </a:p>
@@ -1190,7 +1190,7 @@
     </p:spTree>
     <p:extLst>
       <p:ext uri="{BB962C8B-B14F-4D97-AF65-F5344CB8AC3E}">
-        <p14:creationId xmlns:p14="http://schemas.microsoft.com/office/powerpoint/2010/main" val="4080757261"/>
+        <p14:creationId xmlns:p14="http://schemas.microsoft.com/office/powerpoint/2010/main" val="566920062"/>
       </p:ext>
     </p:extLst>
   </p:cSld>
@@ -1316,7 +1316,7 @@
             <a:fld id="{243B570E-6BE2-493C-8C86-B8378068DB77}" type="datetimeFigureOut">
               <a:rPr lang="en-US" smtClean="0"/>
               <a:pPr/>
-              <a:t>8/1/2018</a:t>
+              <a:t>8/11/2018</a:t>
             </a:fld>
             <a:endParaRPr lang="en-US" dirty="0"/>
           </a:p>
@@ -1392,7 +1392,7 @@
     </p:spTree>
     <p:extLst>
       <p:ext uri="{BB962C8B-B14F-4D97-AF65-F5344CB8AC3E}">
-        <p14:creationId xmlns:p14="http://schemas.microsoft.com/office/powerpoint/2010/main" val="2766630744"/>
+        <p14:creationId xmlns:p14="http://schemas.microsoft.com/office/powerpoint/2010/main" val="1833090843"/>
       </p:ext>
     </p:extLst>
   </p:cSld>
@@ -1591,7 +1591,7 @@
           <a:p>
             <a:fld id="{243B570E-6BE2-493C-8C86-B8378068DB77}" type="datetimeFigureOut">
               <a:rPr lang="en-US" smtClean="0"/>
-              <a:t>8/1/2018</a:t>
+              <a:t>8/11/2018</a:t>
             </a:fld>
             <a:endParaRPr lang="en-US" dirty="0"/>
           </a:p>
@@ -1642,7 +1642,7 @@
     </p:spTree>
     <p:extLst>
       <p:ext uri="{BB962C8B-B14F-4D97-AF65-F5344CB8AC3E}">
-        <p14:creationId xmlns:p14="http://schemas.microsoft.com/office/powerpoint/2010/main" val="2688668886"/>
+        <p14:creationId xmlns:p14="http://schemas.microsoft.com/office/powerpoint/2010/main" val="748323367"/>
       </p:ext>
     </p:extLst>
   </p:cSld>
@@ -1688,6 +1688,7 @@
               <a:rPr lang="en-US"/>
               <a:t>Click to edit Master title style</a:t>
             </a:r>
+            <a:endParaRPr lang="en-US" dirty="0"/>
           </a:p>
         </p:txBody>
       </p:sp>
@@ -1703,8 +1704,8 @@
         </p:nvSpPr>
         <p:spPr>
           <a:xfrm>
-            <a:off x="838200" y="1825625"/>
-            <a:ext cx="5181600" cy="4351338"/>
+            <a:off x="406400" y="1354666"/>
+            <a:ext cx="5613400" cy="5046134"/>
           </a:xfrm>
         </p:spPr>
         <p:txBody>
@@ -1811,8 +1812,8 @@
         </p:nvSpPr>
         <p:spPr>
           <a:xfrm>
-            <a:off x="6172200" y="1825625"/>
-            <a:ext cx="5181600" cy="4351338"/>
+            <a:off x="6172199" y="1354666"/>
+            <a:ext cx="5469467" cy="5046134"/>
           </a:xfrm>
         </p:spPr>
         <p:txBody>
@@ -1852,6 +1853,7 @@
               <a:rPr lang="en-US"/>
               <a:t>Fifth level</a:t>
             </a:r>
+            <a:endParaRPr lang="en-US" dirty="0"/>
           </a:p>
         </p:txBody>
       </p:sp>
@@ -1872,7 +1874,7 @@
           <a:p>
             <a:fld id="{243B570E-6BE2-493C-8C86-B8378068DB77}" type="datetimeFigureOut">
               <a:rPr lang="en-US" smtClean="0"/>
-              <a:t>8/1/2018</a:t>
+              <a:t>8/11/2018</a:t>
             </a:fld>
             <a:endParaRPr lang="en-US" dirty="0"/>
           </a:p>
@@ -1923,7 +1925,7 @@
     </p:spTree>
     <p:extLst>
       <p:ext uri="{BB962C8B-B14F-4D97-AF65-F5344CB8AC3E}">
-        <p14:creationId xmlns:p14="http://schemas.microsoft.com/office/powerpoint/2010/main" val="498714050"/>
+        <p14:creationId xmlns:p14="http://schemas.microsoft.com/office/powerpoint/2010/main" val="1914597897"/>
       </p:ext>
     </p:extLst>
   </p:cSld>
@@ -1962,8 +1964,8 @@
         </p:nvSpPr>
         <p:spPr>
           <a:xfrm>
-            <a:off x="839788" y="161926"/>
-            <a:ext cx="8536439" cy="1325563"/>
+            <a:off x="381000" y="5555"/>
+            <a:ext cx="10151533" cy="1325563"/>
           </a:xfrm>
         </p:spPr>
         <p:txBody>
@@ -1984,17 +1986,17 @@
             <a:spLocks noGrp="1"/>
           </p:cNvSpPr>
           <p:nvPr>
-            <p:ph type="body" idx="1"/>
+            <p:ph type="body" idx="1" hasCustomPrompt="1"/>
           </p:nvPr>
         </p:nvSpPr>
         <p:spPr>
           <a:xfrm>
-            <a:off x="839788" y="1681163"/>
-            <a:ext cx="5157787" cy="823912"/>
+            <a:off x="381000" y="1444096"/>
+            <a:ext cx="5616575" cy="823912"/>
           </a:xfrm>
         </p:spPr>
         <p:txBody>
-          <a:bodyPr anchor="b"/>
+          <a:bodyPr anchor="ctr"/>
           <a:lstStyle>
             <a:lvl1pPr marL="0" indent="0">
               <a:buNone/>
@@ -2036,8 +2038,8 @@
           <a:p>
             <a:pPr lvl="0"/>
             <a:r>
-              <a:rPr lang="en-US"/>
-              <a:t>Edit Master text styles</a:t>
+              <a:rPr lang="en-US" dirty="0"/>
+              <a:t>Click to edit Master text styles</a:t>
             </a:r>
           </a:p>
         </p:txBody>
@@ -2054,8 +2056,8 @@
         </p:nvSpPr>
         <p:spPr>
           <a:xfrm>
-            <a:off x="839788" y="2505075"/>
-            <a:ext cx="5157787" cy="3684588"/>
+            <a:off x="381000" y="2268007"/>
+            <a:ext cx="5616575" cy="4014259"/>
           </a:xfrm>
         </p:spPr>
         <p:txBody>
@@ -2105,17 +2107,17 @@
             <a:spLocks noGrp="1"/>
           </p:cNvSpPr>
           <p:nvPr>
-            <p:ph type="body" sz="quarter" idx="3"/>
+            <p:ph type="body" sz="quarter" idx="3" hasCustomPrompt="1"/>
           </p:nvPr>
         </p:nvSpPr>
         <p:spPr>
           <a:xfrm>
-            <a:off x="6172200" y="1681163"/>
-            <a:ext cx="5183188" cy="823912"/>
+            <a:off x="6172200" y="1444096"/>
+            <a:ext cx="5638800" cy="823912"/>
           </a:xfrm>
         </p:spPr>
         <p:txBody>
-          <a:bodyPr anchor="b"/>
+          <a:bodyPr anchor="ctr"/>
           <a:lstStyle>
             <a:lvl1pPr marL="0" indent="0">
               <a:buNone/>
@@ -2157,8 +2159,8 @@
           <a:p>
             <a:pPr lvl="0"/>
             <a:r>
-              <a:rPr lang="en-US"/>
-              <a:t>Edit Master text styles</a:t>
+              <a:rPr lang="en-US" dirty="0"/>
+              <a:t>Click to edit Master text styles</a:t>
             </a:r>
           </a:p>
         </p:txBody>
@@ -2175,8 +2177,8 @@
         </p:nvSpPr>
         <p:spPr>
           <a:xfrm>
-            <a:off x="6172200" y="2505075"/>
-            <a:ext cx="5183188" cy="3684588"/>
+            <a:off x="6172199" y="2268007"/>
+            <a:ext cx="5616575" cy="4014259"/>
           </a:xfrm>
         </p:spPr>
         <p:txBody>
@@ -2236,7 +2238,7 @@
           <a:p>
             <a:fld id="{243B570E-6BE2-493C-8C86-B8378068DB77}" type="datetimeFigureOut">
               <a:rPr lang="en-US" smtClean="0"/>
-              <a:t>8/1/2018</a:t>
+              <a:t>8/11/2018</a:t>
             </a:fld>
             <a:endParaRPr lang="en-US" dirty="0"/>
           </a:p>
@@ -2287,7 +2289,7 @@
     </p:spTree>
     <p:extLst>
       <p:ext uri="{BB962C8B-B14F-4D97-AF65-F5344CB8AC3E}">
-        <p14:creationId xmlns:p14="http://schemas.microsoft.com/office/powerpoint/2010/main" val="1028665369"/>
+        <p14:creationId xmlns:p14="http://schemas.microsoft.com/office/powerpoint/2010/main" val="1101670397"/>
       </p:ext>
     </p:extLst>
   </p:cSld>
@@ -2367,7 +2369,7 @@
             <a:fld id="{243B570E-6BE2-493C-8C86-B8378068DB77}" type="datetimeFigureOut">
               <a:rPr lang="en-US" smtClean="0"/>
               <a:pPr/>
-              <a:t>8/1/2018</a:t>
+              <a:t>8/11/2018</a:t>
             </a:fld>
             <a:endParaRPr lang="en-US" dirty="0"/>
           </a:p>
@@ -2443,7 +2445,7 @@
     </p:spTree>
     <p:extLst>
       <p:ext uri="{BB962C8B-B14F-4D97-AF65-F5344CB8AC3E}">
-        <p14:creationId xmlns:p14="http://schemas.microsoft.com/office/powerpoint/2010/main" val="4182308651"/>
+        <p14:creationId xmlns:p14="http://schemas.microsoft.com/office/powerpoint/2010/main" val="2176428018"/>
       </p:ext>
     </p:extLst>
   </p:cSld>
@@ -2487,7 +2489,7 @@
           <a:p>
             <a:fld id="{243B570E-6BE2-493C-8C86-B8378068DB77}" type="datetimeFigureOut">
               <a:rPr lang="en-US" smtClean="0"/>
-              <a:t>8/1/2018</a:t>
+              <a:t>8/11/2018</a:t>
             </a:fld>
             <a:endParaRPr lang="en-US" dirty="0"/>
           </a:p>
@@ -2538,7 +2540,7 @@
     </p:spTree>
     <p:extLst>
       <p:ext uri="{BB962C8B-B14F-4D97-AF65-F5344CB8AC3E}">
-        <p14:creationId xmlns:p14="http://schemas.microsoft.com/office/powerpoint/2010/main" val="4060449699"/>
+        <p14:creationId xmlns:p14="http://schemas.microsoft.com/office/powerpoint/2010/main" val="3548331372"/>
       </p:ext>
     </p:extLst>
   </p:cSld>
@@ -2762,7 +2764,7 @@
           <a:p>
             <a:fld id="{243B570E-6BE2-493C-8C86-B8378068DB77}" type="datetimeFigureOut">
               <a:rPr lang="en-US" smtClean="0"/>
-              <a:t>8/1/2018</a:t>
+              <a:t>8/11/2018</a:t>
             </a:fld>
             <a:endParaRPr lang="en-US" dirty="0"/>
           </a:p>
@@ -2810,40 +2812,10 @@
           </a:p>
         </p:txBody>
       </p:sp>
-      <p:cxnSp>
-        <p:nvCxnSpPr>
-          <p:cNvPr id="11" name="Straight Connector 10"/>
-          <p:cNvCxnSpPr/>
-          <p:nvPr/>
-        </p:nvCxnSpPr>
-        <p:spPr>
-          <a:xfrm>
-            <a:off x="0" y="6342743"/>
-            <a:ext cx="12192000" cy="0"/>
-          </a:xfrm>
-          <a:prstGeom prst="line">
-            <a:avLst/>
-          </a:prstGeom>
-        </p:spPr>
-        <p:style>
-          <a:lnRef idx="1">
-            <a:schemeClr val="accent1"/>
-          </a:lnRef>
-          <a:fillRef idx="0">
-            <a:schemeClr val="accent1"/>
-          </a:fillRef>
-          <a:effectRef idx="0">
-            <a:schemeClr val="accent1"/>
-          </a:effectRef>
-          <a:fontRef idx="minor">
-            <a:schemeClr val="tx1"/>
-          </a:fontRef>
-        </p:style>
-      </p:cxnSp>
     </p:spTree>
     <p:extLst>
       <p:ext uri="{BB962C8B-B14F-4D97-AF65-F5344CB8AC3E}">
-        <p14:creationId xmlns:p14="http://schemas.microsoft.com/office/powerpoint/2010/main" val="3166892916"/>
+        <p14:creationId xmlns:p14="http://schemas.microsoft.com/office/powerpoint/2010/main" val="2953616939"/>
       </p:ext>
     </p:extLst>
   </p:cSld>
@@ -3020,8 +2992,8 @@
         </p:nvSpPr>
         <p:spPr>
           <a:xfrm>
-            <a:off x="406400" y="91440"/>
-            <a:ext cx="11393714" cy="1234123"/>
+            <a:off x="406400" y="6770"/>
+            <a:ext cx="10049933" cy="1234123"/>
           </a:xfrm>
           <a:prstGeom prst="rect">
             <a:avLst/>
@@ -3052,8 +3024,8 @@
         </p:nvSpPr>
         <p:spPr>
           <a:xfrm>
-            <a:off x="406400" y="1489166"/>
-            <a:ext cx="11393714" cy="4687797"/>
+            <a:off x="406400" y="1337187"/>
+            <a:ext cx="11393714" cy="5064803"/>
           </a:xfrm>
           <a:prstGeom prst="rect">
             <a:avLst/>
@@ -3135,7 +3107,7 @@
           <a:p>
             <a:fld id="{243B570E-6BE2-493C-8C86-B8378068DB77}" type="datetimeFigureOut">
               <a:rPr lang="en-US" smtClean="0"/>
-              <a:t>8/1/2018</a:t>
+              <a:t>8/11/2018</a:t>
             </a:fld>
             <a:endParaRPr lang="en-US" dirty="0"/>
           </a:p>
@@ -3256,27 +3228,70 @@
           </a:fontRef>
         </p:style>
       </p:cxnSp>
+      <p:pic>
+        <p:nvPicPr>
+          <p:cNvPr id="10" name="Picture 9" descr="A close up of a sign&#10;&#10;Description generated with very high confidence">
+            <a:extLst>
+              <a:ext uri="{FF2B5EF4-FFF2-40B4-BE49-F238E27FC236}">
+                <a16:creationId xmlns:a16="http://schemas.microsoft.com/office/drawing/2014/main" id="{6D9D6532-6138-406D-8115-7BAFD8D73FEB}"/>
+              </a:ext>
+            </a:extLst>
+          </p:cNvPr>
+          <p:cNvPicPr>
+            <a:picLocks noChangeAspect="1"/>
+          </p:cNvPicPr>
+          <p:nvPr/>
+        </p:nvPicPr>
+        <p:blipFill>
+          <a:blip r:embed="rId16">
+            <a:duotone>
+              <a:schemeClr val="bg2">
+                <a:shade val="45000"/>
+                <a:satMod val="135000"/>
+              </a:schemeClr>
+              <a:prstClr val="white"/>
+            </a:duotone>
+            <a:extLst>
+              <a:ext uri="{28A0092B-C50C-407E-A947-70E740481C1C}">
+                <a14:useLocalDpi xmlns:a14="http://schemas.microsoft.com/office/drawing/2010/main" val="0"/>
+              </a:ext>
+            </a:extLst>
+          </a:blip>
+          <a:stretch>
+            <a:fillRect/>
+          </a:stretch>
+        </p:blipFill>
+        <p:spPr>
+          <a:xfrm>
+            <a:off x="10634133" y="96294"/>
+            <a:ext cx="1165981" cy="1229580"/>
+          </a:xfrm>
+          <a:prstGeom prst="rect">
+            <a:avLst/>
+          </a:prstGeom>
+        </p:spPr>
+      </p:pic>
     </p:spTree>
     <p:extLst>
       <p:ext uri="{BB962C8B-B14F-4D97-AF65-F5344CB8AC3E}">
-        <p14:creationId xmlns:p14="http://schemas.microsoft.com/office/powerpoint/2010/main" val="517682357"/>
+        <p14:creationId xmlns:p14="http://schemas.microsoft.com/office/powerpoint/2010/main" val="668315806"/>
       </p:ext>
     </p:extLst>
   </p:cSld>
   <p:clrMap bg1="lt1" tx1="dk1" bg2="lt2" tx2="dk2" accent1="accent1" accent2="accent2" accent3="accent3" accent4="accent4" accent5="accent5" accent6="accent6" hlink="hlink" folHlink="folHlink"/>
   <p:sldLayoutIdLst>
-    <p:sldLayoutId id="2147483679" r:id="rId1"/>
-    <p:sldLayoutId id="2147483680" r:id="rId2"/>
-    <p:sldLayoutId id="2147483681" r:id="rId3"/>
-    <p:sldLayoutId id="2147483682" r:id="rId4"/>
-    <p:sldLayoutId id="2147483683" r:id="rId5"/>
-    <p:sldLayoutId id="2147483684" r:id="rId6"/>
-    <p:sldLayoutId id="2147483685" r:id="rId7"/>
-    <p:sldLayoutId id="2147483686" r:id="rId8"/>
-    <p:sldLayoutId id="2147483687" r:id="rId9"/>
-    <p:sldLayoutId id="2147483688" r:id="rId10"/>
-    <p:sldLayoutId id="2147483689" r:id="rId11"/>
-    <p:sldLayoutId id="2147483690" r:id="rId12"/>
+    <p:sldLayoutId id="2147483692" r:id="rId1"/>
+    <p:sldLayoutId id="2147483693" r:id="rId2"/>
+    <p:sldLayoutId id="2147483694" r:id="rId3"/>
+    <p:sldLayoutId id="2147483695" r:id="rId4"/>
+    <p:sldLayoutId id="2147483696" r:id="rId5"/>
+    <p:sldLayoutId id="2147483697" r:id="rId6"/>
+    <p:sldLayoutId id="2147483698" r:id="rId7"/>
+    <p:sldLayoutId id="2147483699" r:id="rId8"/>
+    <p:sldLayoutId id="2147483700" r:id="rId9"/>
+    <p:sldLayoutId id="2147483701" r:id="rId10"/>
+    <p:sldLayoutId id="2147483702" r:id="rId11"/>
+    <p:sldLayoutId id="2147483703" r:id="rId12"/>
   </p:sldLayoutIdLst>
   <p:txStyles>
     <p:titleStyle>
@@ -17850,7 +17865,7 @@
   <a:extraClrSchemeLst/>
   <a:extLst>
     <a:ext uri="{05A4C25C-085E-4340-85A3-A5531E510DB2}">
-      <thm15:themeFamily xmlns:thm15="http://schemas.microsoft.com/office/thememl/2012/main" name="Lesson 12 - Data Analytics - GLMs" id="{2D671843-01B0-4809-83B7-DCD6022711AC}" vid="{631529AC-459A-4F8A-9050-54C0368E42C7}"/>
+      <thm15:themeFamily xmlns:thm15="http://schemas.microsoft.com/office/thememl/2012/main" name="Analytics_World" id="{0D0CA6F4-4249-491F-90A1-38D2E759BAFB}" vid="{73C02A8C-8EF0-4E7B-9EF2-CA7EFEB1E564}"/>
     </a:ext>
   </a:extLst>
 </a:theme>
